--- a/Diagramas/dibujosModMat.pptx
+++ b/Diagramas/dibujosModMat.pptx
@@ -5275,7 +5275,7 @@
           </a:prstGeom>
           <a:ln w="38100">
             <a:solidFill>
-              <a:schemeClr val="bg1"/>
+              <a:schemeClr val="tx1"/>
             </a:solidFill>
             <a:headEnd type="triangle"/>
             <a:tailEnd type="triangle"/>
@@ -5296,8 +5296,8 @@
           </a:fontRef>
         </p:style>
       </p:cxnSp>
-      <mc:AlternateContent xmlns:mc="http://schemas.openxmlformats.org/markup-compatibility/2006" xmlns:a14="http://schemas.microsoft.com/office/drawing/2010/main">
-        <mc:Choice Requires="a14">
+      <mc:AlternateContent xmlns:mc="http://schemas.openxmlformats.org/markup-compatibility/2006">
+        <mc:Choice xmlns:a14="http://schemas.microsoft.com/office/drawing/2010/main" Requires="a14">
           <p:sp>
             <p:nvSpPr>
               <p:cNvPr id="40" name="CuadroTexto 39">
@@ -5338,7 +5338,7 @@
                           <m:ctrlPr>
                             <a:rPr lang="es-CO" sz="3200" b="1" i="1" smtClean="0">
                               <a:solidFill>
-                                <a:schemeClr val="bg1"/>
+                                <a:schemeClr val="tx1"/>
                               </a:solidFill>
                               <a:latin typeface="Cambria Math" panose="02040503050406030204" pitchFamily="18" charset="0"/>
                             </a:rPr>
@@ -5348,7 +5348,7 @@
                           <m:r>
                             <a:rPr lang="es-CO" sz="3200" b="1" i="1" smtClean="0">
                               <a:solidFill>
-                                <a:schemeClr val="bg1"/>
+                                <a:schemeClr val="tx1"/>
                               </a:solidFill>
                               <a:latin typeface="Cambria Math" panose="02040503050406030204" pitchFamily="18" charset="0"/>
                             </a:rPr>
@@ -5359,7 +5359,7 @@
                           <m:r>
                             <a:rPr lang="es-CO" sz="3200" b="1" i="1" smtClean="0">
                               <a:solidFill>
-                                <a:schemeClr val="bg1"/>
+                                <a:schemeClr val="tx1"/>
                               </a:solidFill>
                               <a:latin typeface="Cambria Math" panose="02040503050406030204" pitchFamily="18" charset="0"/>
                             </a:rPr>
@@ -5378,7 +5378,7 @@
             </p:txBody>
           </p:sp>
         </mc:Choice>
-        <mc:Fallback xmlns="">
+        <mc:Fallback>
           <p:sp>
             <p:nvSpPr>
               <p:cNvPr id="40" name="CuadroTexto 39">
@@ -6041,8 +6041,8 @@
           </a:fontRef>
         </p:style>
       </p:cxnSp>
-      <mc:AlternateContent xmlns:mc="http://schemas.openxmlformats.org/markup-compatibility/2006">
-        <mc:Choice xmlns:a14="http://schemas.microsoft.com/office/drawing/2010/main" Requires="a14">
+      <mc:AlternateContent xmlns:mc="http://schemas.openxmlformats.org/markup-compatibility/2006" xmlns:a14="http://schemas.microsoft.com/office/drawing/2010/main">
+        <mc:Choice Requires="a14">
           <p:sp>
             <p:nvSpPr>
               <p:cNvPr id="34" name="CuadroTexto 33">
@@ -6071,6 +6071,7 @@
               </a:bodyPr>
               <a:lstStyle/>
               <a:p>
+                <a:pPr/>
                 <a14:m>
                   <m:oMathPara xmlns:m="http://schemas.openxmlformats.org/officeDocument/2006/math">
                     <m:oMathParaPr>
@@ -6103,7 +6104,7 @@
             </p:txBody>
           </p:sp>
         </mc:Choice>
-        <mc:Fallback>
+        <mc:Fallback xmlns="">
           <p:sp>
             <p:nvSpPr>
               <p:cNvPr id="34" name="CuadroTexto 33">
@@ -6192,8 +6193,8 @@
           </a:fontRef>
         </p:style>
       </p:cxnSp>
-      <mc:AlternateContent xmlns:mc="http://schemas.openxmlformats.org/markup-compatibility/2006">
-        <mc:Choice xmlns:a14="http://schemas.microsoft.com/office/drawing/2010/main" Requires="a14">
+      <mc:AlternateContent xmlns:mc="http://schemas.openxmlformats.org/markup-compatibility/2006" xmlns:a14="http://schemas.microsoft.com/office/drawing/2010/main">
+        <mc:Choice Requires="a14">
           <p:sp>
             <p:nvSpPr>
               <p:cNvPr id="38" name="CuadroTexto 37">
@@ -6222,6 +6223,7 @@
               </a:bodyPr>
               <a:lstStyle/>
               <a:p>
+                <a:pPr/>
                 <a14:m>
                   <m:oMathPara xmlns:m="http://schemas.openxmlformats.org/officeDocument/2006/math">
                     <m:oMathParaPr>
@@ -6245,7 +6247,7 @@
             </p:txBody>
           </p:sp>
         </mc:Choice>
-        <mc:Fallback>
+        <mc:Fallback xmlns="">
           <p:sp>
             <p:nvSpPr>
               <p:cNvPr id="38" name="CuadroTexto 37">
@@ -6335,8 +6337,8 @@
           </a:fontRef>
         </p:style>
       </p:cxnSp>
-      <mc:AlternateContent xmlns:mc="http://schemas.openxmlformats.org/markup-compatibility/2006">
-        <mc:Choice xmlns:a14="http://schemas.microsoft.com/office/drawing/2010/main" Requires="a14">
+      <mc:AlternateContent xmlns:mc="http://schemas.openxmlformats.org/markup-compatibility/2006" xmlns:a14="http://schemas.microsoft.com/office/drawing/2010/main">
+        <mc:Choice Requires="a14">
           <p:sp>
             <p:nvSpPr>
               <p:cNvPr id="46" name="CuadroTexto 45">
@@ -6365,6 +6367,7 @@
               </a:bodyPr>
               <a:lstStyle/>
               <a:p>
+                <a:pPr/>
                 <a14:m>
                   <m:oMathPara xmlns:m="http://schemas.openxmlformats.org/officeDocument/2006/math">
                     <m:oMathParaPr>
@@ -6388,7 +6391,7 @@
             </p:txBody>
           </p:sp>
         </mc:Choice>
-        <mc:Fallback>
+        <mc:Fallback xmlns="">
           <p:sp>
             <p:nvSpPr>
               <p:cNvPr id="46" name="CuadroTexto 45">
